--- a/erdigram.pptx
+++ b/erdigram.pptx
@@ -259,7 +259,7 @@
           <a:p>
             <a:fld id="{DF0F5383-BF3E-4BD8-A1C7-C7AEFD34C081}" type="datetimeFigureOut">
               <a:rPr lang="en-US" smtClean="0"/>
-              <a:t>12/24/2025</a:t>
+              <a:t>12/27/2025</a:t>
             </a:fld>
             <a:endParaRPr lang="en-US"/>
           </a:p>
@@ -457,7 +457,7 @@
           <a:p>
             <a:fld id="{DF0F5383-BF3E-4BD8-A1C7-C7AEFD34C081}" type="datetimeFigureOut">
               <a:rPr lang="en-US" smtClean="0"/>
-              <a:t>12/24/2025</a:t>
+              <a:t>12/27/2025</a:t>
             </a:fld>
             <a:endParaRPr lang="en-US"/>
           </a:p>
@@ -665,7 +665,7 @@
           <a:p>
             <a:fld id="{DF0F5383-BF3E-4BD8-A1C7-C7AEFD34C081}" type="datetimeFigureOut">
               <a:rPr lang="en-US" smtClean="0"/>
-              <a:t>12/24/2025</a:t>
+              <a:t>12/27/2025</a:t>
             </a:fld>
             <a:endParaRPr lang="en-US"/>
           </a:p>
@@ -863,7 +863,7 @@
           <a:p>
             <a:fld id="{DF0F5383-BF3E-4BD8-A1C7-C7AEFD34C081}" type="datetimeFigureOut">
               <a:rPr lang="en-US" smtClean="0"/>
-              <a:t>12/24/2025</a:t>
+              <a:t>12/27/2025</a:t>
             </a:fld>
             <a:endParaRPr lang="en-US"/>
           </a:p>
@@ -1138,7 +1138,7 @@
           <a:p>
             <a:fld id="{DF0F5383-BF3E-4BD8-A1C7-C7AEFD34C081}" type="datetimeFigureOut">
               <a:rPr lang="en-US" smtClean="0"/>
-              <a:t>12/24/2025</a:t>
+              <a:t>12/27/2025</a:t>
             </a:fld>
             <a:endParaRPr lang="en-US"/>
           </a:p>
@@ -1403,7 +1403,7 @@
           <a:p>
             <a:fld id="{DF0F5383-BF3E-4BD8-A1C7-C7AEFD34C081}" type="datetimeFigureOut">
               <a:rPr lang="en-US" smtClean="0"/>
-              <a:t>12/24/2025</a:t>
+              <a:t>12/27/2025</a:t>
             </a:fld>
             <a:endParaRPr lang="en-US"/>
           </a:p>
@@ -1815,7 +1815,7 @@
           <a:p>
             <a:fld id="{DF0F5383-BF3E-4BD8-A1C7-C7AEFD34C081}" type="datetimeFigureOut">
               <a:rPr lang="en-US" smtClean="0"/>
-              <a:t>12/24/2025</a:t>
+              <a:t>12/27/2025</a:t>
             </a:fld>
             <a:endParaRPr lang="en-US"/>
           </a:p>
@@ -1956,7 +1956,7 @@
           <a:p>
             <a:fld id="{DF0F5383-BF3E-4BD8-A1C7-C7AEFD34C081}" type="datetimeFigureOut">
               <a:rPr lang="en-US" smtClean="0"/>
-              <a:t>12/24/2025</a:t>
+              <a:t>12/27/2025</a:t>
             </a:fld>
             <a:endParaRPr lang="en-US"/>
           </a:p>
@@ -2069,7 +2069,7 @@
           <a:p>
             <a:fld id="{DF0F5383-BF3E-4BD8-A1C7-C7AEFD34C081}" type="datetimeFigureOut">
               <a:rPr lang="en-US" smtClean="0"/>
-              <a:t>12/24/2025</a:t>
+              <a:t>12/27/2025</a:t>
             </a:fld>
             <a:endParaRPr lang="en-US"/>
           </a:p>
@@ -2380,7 +2380,7 @@
           <a:p>
             <a:fld id="{DF0F5383-BF3E-4BD8-A1C7-C7AEFD34C081}" type="datetimeFigureOut">
               <a:rPr lang="en-US" smtClean="0"/>
-              <a:t>12/24/2025</a:t>
+              <a:t>12/27/2025</a:t>
             </a:fld>
             <a:endParaRPr lang="en-US"/>
           </a:p>
@@ -2668,7 +2668,7 @@
           <a:p>
             <a:fld id="{DF0F5383-BF3E-4BD8-A1C7-C7AEFD34C081}" type="datetimeFigureOut">
               <a:rPr lang="en-US" smtClean="0"/>
-              <a:t>12/24/2025</a:t>
+              <a:t>12/27/2025</a:t>
             </a:fld>
             <a:endParaRPr lang="en-US"/>
           </a:p>
@@ -2909,7 +2909,7 @@
           <a:p>
             <a:fld id="{DF0F5383-BF3E-4BD8-A1C7-C7AEFD34C081}" type="datetimeFigureOut">
               <a:rPr lang="en-US" smtClean="0"/>
-              <a:t>12/24/2025</a:t>
+              <a:t>12/27/2025</a:t>
             </a:fld>
             <a:endParaRPr lang="en-US"/>
           </a:p>
@@ -7971,6 +7971,92 @@
           </a:fontRef>
         </p:style>
       </p:cxnSp>
+      <p:cxnSp>
+        <p:nvCxnSpPr>
+          <p:cNvPr id="2" name="Straight Connector 1">
+            <a:extLst>
+              <a:ext uri="{FF2B5EF4-FFF2-40B4-BE49-F238E27FC236}">
+                <a16:creationId xmlns:a16="http://schemas.microsoft.com/office/drawing/2014/main" id="{820FB243-98BD-BE4D-13AF-7B8572B9B166}"/>
+              </a:ext>
+            </a:extLst>
+          </p:cNvPr>
+          <p:cNvCxnSpPr>
+            <a:cxnSpLocks/>
+          </p:cNvCxnSpPr>
+          <p:nvPr/>
+        </p:nvCxnSpPr>
+        <p:spPr>
+          <a:xfrm flipV="1">
+            <a:off x="5587732" y="3969068"/>
+            <a:ext cx="988832" cy="335513"/>
+          </a:xfrm>
+          <a:prstGeom prst="line">
+            <a:avLst/>
+          </a:prstGeom>
+        </p:spPr>
+        <p:style>
+          <a:lnRef idx="1">
+            <a:schemeClr val="dk1"/>
+          </a:lnRef>
+          <a:fillRef idx="0">
+            <a:schemeClr val="dk1"/>
+          </a:fillRef>
+          <a:effectRef idx="0">
+            <a:schemeClr val="dk1"/>
+          </a:effectRef>
+          <a:fontRef idx="minor">
+            <a:schemeClr val="tx1"/>
+          </a:fontRef>
+        </p:style>
+      </p:cxnSp>
+      <p:sp>
+        <p:nvSpPr>
+          <p:cNvPr id="5" name="Oval 4">
+            <a:extLst>
+              <a:ext uri="{FF2B5EF4-FFF2-40B4-BE49-F238E27FC236}">
+                <a16:creationId xmlns:a16="http://schemas.microsoft.com/office/drawing/2014/main" id="{FFC200FB-10DC-536F-878F-7DE8CF587319}"/>
+              </a:ext>
+            </a:extLst>
+          </p:cNvPr>
+          <p:cNvSpPr/>
+          <p:nvPr/>
+        </p:nvSpPr>
+        <p:spPr>
+          <a:xfrm>
+            <a:off x="6285632" y="3577719"/>
+            <a:ext cx="1376797" cy="389861"/>
+          </a:xfrm>
+          <a:prstGeom prst="ellipse">
+            <a:avLst/>
+          </a:prstGeom>
+        </p:spPr>
+        <p:style>
+          <a:lnRef idx="2">
+            <a:schemeClr val="accent6"/>
+          </a:lnRef>
+          <a:fillRef idx="1">
+            <a:schemeClr val="lt1"/>
+          </a:fillRef>
+          <a:effectRef idx="0">
+            <a:schemeClr val="accent6"/>
+          </a:effectRef>
+          <a:fontRef idx="minor">
+            <a:schemeClr val="dk1"/>
+          </a:fontRef>
+        </p:style>
+        <p:txBody>
+          <a:bodyPr rtlCol="0" anchor="ctr"/>
+          <a:lstStyle/>
+          <a:p>
+            <a:pPr algn="ctr"/>
+            <a:r>
+              <a:rPr lang="en-US" sz="1000" dirty="0" err="1"/>
+              <a:t>Total_amount</a:t>
+            </a:r>
+            <a:endParaRPr lang="en-US" sz="1000" dirty="0"/>
+          </a:p>
+        </p:txBody>
+      </p:sp>
     </p:spTree>
     <p:extLst>
       <p:ext uri="{BB962C8B-B14F-4D97-AF65-F5344CB8AC3E}">
